--- a/test_competitive_positioning_fixed.pptx
+++ b/test_competitive_positioning_fixed.pptx
@@ -140,7 +140,7 @@
               <c:strCache>
                 <c:ptCount val="1"/>
                 <c:pt idx="0">
-                  <c:v>Revenue (HK$ M)</c:v>
+                  <c:v>Revenue ($M)</c:v>
                 </c:pt>
               </c:strCache>
             </c:strRef>
@@ -149,7 +149,7 @@
             <c:idx val="0"/>
             <c:spPr>
               <a:solidFill>
-                <a:srgbClr val="183A58"/>
+                <a:srgbClr val="B5975B"/>
               </a:solidFill>
             </c:spPr>
           </c:dPt>
@@ -185,63 +185,49 @@
               </a:solidFill>
             </c:spPr>
           </c:dPt>
-          <c:dPt>
-            <c:idx val="5"/>
-            <c:spPr>
-              <a:solidFill>
-                <a:srgbClr val="183A58"/>
-              </a:solidFill>
-            </c:spPr>
-          </c:dPt>
           <c:cat>
             <c:strRef>
-              <c:f>Sheet1!$A$2:$A$7</c:f>
+              <c:f>Sheet1!$A$2:$A$6</c:f>
               <c:strCache>
-                <c:ptCount val="6"/>
+                <c:ptCount val="5"/>
                 <c:pt idx="0">
-                  <c:v>Saudi Aramco</c:v>
+                  <c:v>LlamaIndex</c:v>
                 </c:pt>
                 <c:pt idx="1">
-                  <c:v>ExxonMobil</c:v>
+                  <c:v>LangChain</c:v>
                 </c:pt>
                 <c:pt idx="2">
-                  <c:v>Chevron</c:v>
+                  <c:v>CrewAI</c:v>
                 </c:pt>
                 <c:pt idx="3">
-                  <c:v>BP</c:v>
+                  <c:v>OpenAI API</c:v>
                 </c:pt>
                 <c:pt idx="4">
-                  <c:v>TotalEnergies</c:v>
-                </c:pt>
-                <c:pt idx="5">
-                  <c:v>Shell</c:v>
+                  <c:v>Haystack</c:v>
                 </c:pt>
               </c:strCache>
             </c:strRef>
           </c:cat>
           <c:val>
             <c:numRef>
-              <c:f>Sheet1!$B$2:$B$7</c:f>
+              <c:f>Sheet1!$B$2:$B$6</c:f>
               <c:numCache>
                 <c:formatCode>General</c:formatCode>
-                <c:ptCount val="6"/>
+                <c:ptCount val="5"/>
                 <c:pt idx="0">
-                  <c:v>594120</c:v>
+                  <c:v>38.0</c:v>
                 </c:pt>
                 <c:pt idx="1">
-                  <c:v>509000</c:v>
+                  <c:v>30.0</c:v>
                 </c:pt>
                 <c:pt idx="2">
-                  <c:v>200000</c:v>
+                  <c:v>5.0</c:v>
                 </c:pt>
                 <c:pt idx="3">
-                  <c:v>103000</c:v>
+                  <c:v>300.0</c:v>
                 </c:pt>
                 <c:pt idx="4">
-                  <c:v>263000</c:v>
-                </c:pt>
-                <c:pt idx="5">
-                  <c:v>381000</c:v>
+                  <c:v>8.5</c:v>
                 </c:pt>
               </c:numCache>
             </c:numRef>
@@ -281,7 +267,7 @@
       <c:valAx>
         <c:axId val="-2113994440"/>
         <c:scaling>
-          <c:max val="712944.0"/>
+          <c:max val="360.0"/>
         </c:scaling>
         <c:delete val="0"/>
         <c:axPos val="l"/>
@@ -3495,7 +3481,7 @@
         </p:nvGraphicFramePr>
         <p:xfrm>
           <a:off x="6858000" y="1554480"/>
-          <a:ext cx="4114800" cy="1371600"/>
+          <a:ext cx="4572000" cy="1371600"/>
         </p:xfrm>
         <a:graphic>
           <a:graphicData uri="http://schemas.openxmlformats.org/drawingml/2006/table">
@@ -3504,12 +3490,13 @@
                 <a:tableStyleId>{5C22544A-7EE6-4342-B048-85BDC9FD1C3A}</a:tableStyleId>
               </a:tblPr>
               <a:tblGrid>
-                <a:gridCol w="1371600"/>
+                <a:gridCol w="1188720"/>
                 <a:gridCol w="914400"/>
                 <a:gridCol w="914400"/>
-                <a:gridCol w="914400"/>
+                <a:gridCol w="822960"/>
+                <a:gridCol w="731520"/>
               </a:tblGrid>
-              <a:tr h="195942">
+              <a:tr h="342900">
                 <a:tc>
                   <a:txBody>
                     <a:bodyPr/>
@@ -3523,7 +3510,7 @@
                           </a:solidFill>
                           <a:latin typeface="Arial"/>
                         </a:rPr>
-                        <a:t>Category</a:t>
+                        <a:t>Company</a:t>
                       </a:r>
                     </a:p>
                   </a:txBody>
@@ -3546,7 +3533,7 @@
                           </a:solidFill>
                           <a:latin typeface="Arial"/>
                         </a:rPr>
-                        <a:t>Our Company</a:t>
+                        <a:t>Market Focus</a:t>
                       </a:r>
                     </a:p>
                   </a:txBody>
@@ -3569,7 +3556,7 @@
                           </a:solidFill>
                           <a:latin typeface="Arial"/>
                         </a:rPr>
-                        <a:t>Competitor A</a:t>
+                        <a:t>Connectors</a:t>
                       </a:r>
                     </a:p>
                   </a:txBody>
@@ -3592,7 +3579,30 @@
                           </a:solidFill>
                           <a:latin typeface="Arial"/>
                         </a:rPr>
-                        <a:t>Competitor B</a:t>
+                        <a:t>Enterprise</a:t>
+                      </a:r>
+                    </a:p>
+                  </a:txBody>
+                  <a:tcPr marL="45720" marR="45720" marT="45720" marB="45720">
+                    <a:solidFill>
+                      <a:srgbClr val="183A58"/>
+                    </a:solidFill>
+                  </a:tcPr>
+                </a:tc>
+                <a:tc>
+                  <a:txBody>
+                    <a:bodyPr/>
+                    <a:lstStyle/>
+                    <a:p>
+                      <a:pPr algn="ctr"/>
+                      <a:r>
+                        <a:rPr sz="800" b="1">
+                          <a:solidFill>
+                            <a:srgbClr val="FFFFFF"/>
+                          </a:solidFill>
+                          <a:latin typeface="Arial"/>
+                        </a:rPr>
+                        <a:t>Factuality</a:t>
                       </a:r>
                     </a:p>
                   </a:txBody>
@@ -3603,7 +3613,7 @@
                   </a:tcPr>
                 </a:tc>
               </a:tr>
-              <a:tr h="195942">
+              <a:tr h="342900">
                 <a:tc>
                   <a:txBody>
                     <a:bodyPr/>
@@ -3617,7 +3627,7 @@
                           </a:solidFill>
                           <a:latin typeface="Arial"/>
                         </a:rPr>
-                        <a:t>Market Cap (2024)</a:t>
+                        <a:t>LlamaIndex</a:t>
                       </a:r>
                     </a:p>
                   </a:txBody>
@@ -3640,7 +3650,7 @@
                           </a:solidFill>
                           <a:latin typeface="Arial"/>
                         </a:rPr>
-                        <a:t>$1,570B</a:t>
+                        <a:t>⭐⭐⭐⭐⭐</a:t>
                       </a:r>
                     </a:p>
                   </a:txBody>
@@ -3663,7 +3673,7 @@
                           </a:solidFill>
                           <a:latin typeface="Arial"/>
                         </a:rPr>
-                        <a:t>$509B</a:t>
+                        <a:t>⭐⭐⭐⭐⭐</a:t>
                       </a:r>
                     </a:p>
                   </a:txBody>
@@ -3686,7 +3696,30 @@
                           </a:solidFill>
                           <a:latin typeface="Arial"/>
                         </a:rPr>
-                        <a:t>$320B</a:t>
+                        <a:t>⭐⭐⭐⭐</a:t>
+                      </a:r>
+                    </a:p>
+                  </a:txBody>
+                  <a:tcPr marL="45720" marR="45720" marT="45720" marB="45720">
+                    <a:solidFill>
+                      <a:srgbClr val="F0F0F0"/>
+                    </a:solidFill>
+                  </a:tcPr>
+                </a:tc>
+                <a:tc>
+                  <a:txBody>
+                    <a:bodyPr/>
+                    <a:lstStyle/>
+                    <a:p>
+                      <a:pPr algn="ctr"/>
+                      <a:r>
+                        <a:rPr sz="800">
+                          <a:solidFill>
+                            <a:srgbClr val="183A58"/>
+                          </a:solidFill>
+                          <a:latin typeface="Arial"/>
+                        </a:rPr>
+                        <a:t>⭐⭐⭐⭐⭐</a:t>
                       </a:r>
                     </a:p>
                   </a:txBody>
@@ -3697,7 +3730,7 @@
                   </a:tcPr>
                 </a:tc>
               </a:tr>
-              <a:tr h="195942">
+              <a:tr h="342900">
                 <a:tc>
                   <a:txBody>
                     <a:bodyPr/>
@@ -3711,7 +3744,7 @@
                           </a:solidFill>
                           <a:latin typeface="Arial"/>
                         </a:rPr>
-                        <a:t>Annual Revenue (2023)</a:t>
+                        <a:t>LangChain</a:t>
                       </a:r>
                     </a:p>
                   </a:txBody>
@@ -3734,7 +3767,7 @@
                           </a:solidFill>
                           <a:latin typeface="Arial"/>
                         </a:rPr>
-                        <a:t>$594.1B</a:t>
+                        <a:t>⭐⭐⭐⭐</a:t>
                       </a:r>
                     </a:p>
                   </a:txBody>
@@ -3757,7 +3790,7 @@
                           </a:solidFill>
                           <a:latin typeface="Arial"/>
                         </a:rPr>
-                        <a:t>$344.6B</a:t>
+                        <a:t>⭐⭐⭐⭐</a:t>
                       </a:r>
                     </a:p>
                   </a:txBody>
@@ -3780,110 +3813,7 @@
                           </a:solidFill>
                           <a:latin typeface="Arial"/>
                         </a:rPr>
-                        <a:t>$263.2B</a:t>
-                      </a:r>
-                    </a:p>
-                  </a:txBody>
-                  <a:tcPr marL="45720" marR="45720" marT="45720" marB="45720">
-                    <a:solidFill>
-                      <a:srgbClr val="F0F0F0"/>
-                    </a:solidFill>
-                  </a:tcPr>
-                </a:tc>
-              </a:tr>
-              <a:tr h="195942">
-                <a:tc>
-                  <a:txBody>
-                    <a:bodyPr/>
-                    <a:lstStyle/>
-                    <a:p>
-                      <a:pPr algn="ctr"/>
-                      <a:r>
-                        <a:rPr sz="800">
-                          <a:solidFill>
-                            <a:srgbClr val="404040"/>
-                          </a:solidFill>
-                          <a:latin typeface="Arial"/>
-                        </a:rPr>
-                        <a:t>Oil Production (bbl/day)</a:t>
-                      </a:r>
-                    </a:p>
-                  </a:txBody>
-                  <a:tcPr marL="45720" marR="45720" marT="45720" marB="45720"/>
-                </a:tc>
-                <a:tc>
-                  <a:txBody>
-                    <a:bodyPr/>
-                    <a:lstStyle/>
-                    <a:p>
-                      <a:pPr algn="ctr"/>
-                      <a:r>
-                        <a:rPr sz="800">
-                          <a:solidFill>
-                            <a:srgbClr val="404040"/>
-                          </a:solidFill>
-                          <a:latin typeface="Arial"/>
-                        </a:rPr>
-                        <a:t>12.8M</a:t>
-                      </a:r>
-                    </a:p>
-                  </a:txBody>
-                  <a:tcPr marL="45720" marR="45720" marT="45720" marB="45720"/>
-                </a:tc>
-                <a:tc>
-                  <a:txBody>
-                    <a:bodyPr/>
-                    <a:lstStyle/>
-                    <a:p>
-                      <a:pPr algn="ctr"/>
-                      <a:r>
-                        <a:rPr sz="800">
-                          <a:solidFill>
-                            <a:srgbClr val="404040"/>
-                          </a:solidFill>
-                          <a:latin typeface="Arial"/>
-                        </a:rPr>
-                        <a:t>3.8M</a:t>
-                      </a:r>
-                    </a:p>
-                  </a:txBody>
-                  <a:tcPr marL="45720" marR="45720" marT="45720" marB="45720"/>
-                </a:tc>
-                <a:tc>
-                  <a:txBody>
-                    <a:bodyPr/>
-                    <a:lstStyle/>
-                    <a:p>
-                      <a:pPr algn="ctr"/>
-                      <a:r>
-                        <a:rPr sz="800">
-                          <a:solidFill>
-                            <a:srgbClr val="404040"/>
-                          </a:solidFill>
-                          <a:latin typeface="Arial"/>
-                        </a:rPr>
-                        <a:t>2.9M</a:t>
-                      </a:r>
-                    </a:p>
-                  </a:txBody>
-                  <a:tcPr marL="45720" marR="45720" marT="45720" marB="45720"/>
-                </a:tc>
-              </a:tr>
-              <a:tr h="195942">
-                <a:tc>
-                  <a:txBody>
-                    <a:bodyPr/>
-                    <a:lstStyle/>
-                    <a:p>
-                      <a:pPr algn="ctr"/>
-                      <a:r>
-                        <a:rPr sz="800">
-                          <a:solidFill>
-                            <a:srgbClr val="404040"/>
-                          </a:solidFill>
-                          <a:latin typeface="Arial"/>
-                        </a:rPr>
-                        <a:t>Refining Capacity</a:t>
+                        <a:t>⭐⭐⭐⭐</a:t>
                       </a:r>
                     </a:p>
                   </a:txBody>
@@ -3906,7 +3836,7 @@
                           </a:solidFill>
                           <a:latin typeface="Arial"/>
                         </a:rPr>
-                        <a:t>5.4M bbl/day</a:t>
+                        <a:t>⭐⭐⭐⭐</a:t>
                       </a:r>
                     </a:p>
                   </a:txBody>
@@ -3916,6 +3846,8 @@
                     </a:solidFill>
                   </a:tcPr>
                 </a:tc>
+              </a:tr>
+              <a:tr h="342900">
                 <a:tc>
                   <a:txBody>
                     <a:bodyPr/>
@@ -3929,55 +3861,7 @@
                           </a:solidFill>
                           <a:latin typeface="Arial"/>
                         </a:rPr>
-                        <a:t>4.9M bbl/day</a:t>
-                      </a:r>
-                    </a:p>
-                  </a:txBody>
-                  <a:tcPr marL="45720" marR="45720" marT="45720" marB="45720">
-                    <a:solidFill>
-                      <a:srgbClr val="F0F0F0"/>
-                    </a:solidFill>
-                  </a:tcPr>
-                </a:tc>
-                <a:tc>
-                  <a:txBody>
-                    <a:bodyPr/>
-                    <a:lstStyle/>
-                    <a:p>
-                      <a:pPr algn="ctr"/>
-                      <a:r>
-                        <a:rPr sz="800">
-                          <a:solidFill>
-                            <a:srgbClr val="404040"/>
-                          </a:solidFill>
-                          <a:latin typeface="Arial"/>
-                        </a:rPr>
-                        <a:t>2.3M bbl/day</a:t>
-                      </a:r>
-                    </a:p>
-                  </a:txBody>
-                  <a:tcPr marL="45720" marR="45720" marT="45720" marB="45720">
-                    <a:solidFill>
-                      <a:srgbClr val="F0F0F0"/>
-                    </a:solidFill>
-                  </a:tcPr>
-                </a:tc>
-              </a:tr>
-              <a:tr h="195942">
-                <a:tc>
-                  <a:txBody>
-                    <a:bodyPr/>
-                    <a:lstStyle/>
-                    <a:p>
-                      <a:pPr algn="ctr"/>
-                      <a:r>
-                        <a:rPr sz="800">
-                          <a:solidFill>
-                            <a:srgbClr val="404040"/>
-                          </a:solidFill>
-                          <a:latin typeface="Arial"/>
-                        </a:rPr>
-                        <a:t>Reserves (billion bbl)</a:t>
+                        <a:t>CrewAI</a:t>
                       </a:r>
                     </a:p>
                   </a:txBody>
@@ -3996,7 +3880,7 @@
                           </a:solidFill>
                           <a:latin typeface="Arial"/>
                         </a:rPr>
-                        <a:t>267B</a:t>
+                        <a:t>⭐⭐⭐</a:t>
                       </a:r>
                     </a:p>
                   </a:txBody>
@@ -4015,7 +3899,7 @@
                           </a:solidFill>
                           <a:latin typeface="Arial"/>
                         </a:rPr>
-                        <a:t>17.8B</a:t>
+                        <a:t>⭐⭐⭐</a:t>
                       </a:r>
                     </a:p>
                   </a:txBody>
@@ -4034,36 +3918,11 @@
                           </a:solidFill>
                           <a:latin typeface="Arial"/>
                         </a:rPr>
-                        <a:t>11.1B</a:t>
+                        <a:t>⭐⭐</a:t>
                       </a:r>
                     </a:p>
                   </a:txBody>
                   <a:tcPr marL="45720" marR="45720" marT="45720" marB="45720"/>
-                </a:tc>
-              </a:tr>
-              <a:tr h="195948">
-                <a:tc>
-                  <a:txBody>
-                    <a:bodyPr/>
-                    <a:lstStyle/>
-                    <a:p>
-                      <a:pPr algn="ctr"/>
-                      <a:r>
-                        <a:rPr sz="800">
-                          <a:solidFill>
-                            <a:srgbClr val="404040"/>
-                          </a:solidFill>
-                          <a:latin typeface="Arial"/>
-                        </a:rPr>
-                        <a:t>ESG Score</a:t>
-                      </a:r>
-                    </a:p>
-                  </a:txBody>
-                  <a:tcPr marL="45720" marR="45720" marT="45720" marB="45720">
-                    <a:solidFill>
-                      <a:srgbClr val="F0F0F0"/>
-                    </a:solidFill>
-                  </a:tcPr>
                 </a:tc>
                 <a:tc>
                   <a:txBody>
@@ -4078,61 +3937,11 @@
                           </a:solidFill>
                           <a:latin typeface="Arial"/>
                         </a:rPr>
-                        <a:t>B-</a:t>
+                        <a:t>⭐⭐⭐</a:t>
                       </a:r>
                     </a:p>
                   </a:txBody>
-                  <a:tcPr marL="45720" marR="45720" marT="45720" marB="45720">
-                    <a:solidFill>
-                      <a:srgbClr val="F0F0F0"/>
-                    </a:solidFill>
-                  </a:tcPr>
-                </a:tc>
-                <a:tc>
-                  <a:txBody>
-                    <a:bodyPr/>
-                    <a:lstStyle/>
-                    <a:p>
-                      <a:pPr algn="ctr"/>
-                      <a:r>
-                        <a:rPr sz="800">
-                          <a:solidFill>
-                            <a:srgbClr val="404040"/>
-                          </a:solidFill>
-                          <a:latin typeface="Arial"/>
-                        </a:rPr>
-                        <a:t>A-</a:t>
-                      </a:r>
-                    </a:p>
-                  </a:txBody>
-                  <a:tcPr marL="45720" marR="45720" marT="45720" marB="45720">
-                    <a:solidFill>
-                      <a:srgbClr val="F0F0F0"/>
-                    </a:solidFill>
-                  </a:tcPr>
-                </a:tc>
-                <a:tc>
-                  <a:txBody>
-                    <a:bodyPr/>
-                    <a:lstStyle/>
-                    <a:p>
-                      <a:pPr algn="ctr"/>
-                      <a:r>
-                        <a:rPr sz="800">
-                          <a:solidFill>
-                            <a:srgbClr val="404040"/>
-                          </a:solidFill>
-                          <a:latin typeface="Arial"/>
-                        </a:rPr>
-                        <a:t>B+</a:t>
-                      </a:r>
-                    </a:p>
-                  </a:txBody>
-                  <a:tcPr marL="45720" marR="45720" marT="45720" marB="45720">
-                    <a:solidFill>
-                      <a:srgbClr val="F0F0F0"/>
-                    </a:solidFill>
-                  </a:tcPr>
+                  <a:tcPr marL="45720" marR="45720" marT="45720" marB="45720"/>
                 </a:tc>
               </a:tr>
             </a:tbl>
@@ -4147,8 +3956,8 @@
         </p:nvSpPr>
         <p:spPr>
           <a:xfrm>
-            <a:off x="6858000" y="3017520"/>
-            <a:ext cx="5029200" cy="182880"/>
+            <a:off x="6217920" y="3657600"/>
+            <a:ext cx="5486400" cy="182880"/>
           </a:xfrm>
           <a:prstGeom prst="rect">
             <a:avLst/>
@@ -4294,7 +4103,7 @@
                 </a:solidFill>
                 <a:latin typeface="Arial"/>
               </a:rPr>
-              <a:t>Capital Requirements: Multi-billion dollar infrastructure investments required</a:t>
+              <a:t>Retrieval Quality Requires deep expertise</a:t>
             </a:r>
           </a:p>
         </p:txBody>
@@ -4376,178 +4185,14 @@
                 </a:solidFill>
                 <a:latin typeface="Arial"/>
               </a:rPr>
-              <a:t>Technical Expertise: Decades of experience in desert operations</a:t>
-            </a:r>
-          </a:p>
-        </p:txBody>
-      </p:sp>
-      <p:sp>
-        <p:nvSpPr>
-          <p:cNvPr id="14" name="Oval 13"/>
-          <p:cNvSpPr/>
-          <p:nvPr/>
-        </p:nvSpPr>
-        <p:spPr>
-          <a:xfrm>
-            <a:off x="640080" y="5120640"/>
-            <a:ext cx="54864" cy="54864"/>
-          </a:xfrm>
-          <a:prstGeom prst="ellipse">
-            <a:avLst/>
-          </a:prstGeom>
-          <a:solidFill>
-            <a:srgbClr val="B5975B"/>
-          </a:solidFill>
-          <a:ln>
-            <a:noFill/>
-          </a:ln>
-        </p:spPr>
-        <p:style>
-          <a:lnRef idx="1">
-            <a:schemeClr val="accent1"/>
-          </a:lnRef>
-          <a:fillRef idx="3">
-            <a:schemeClr val="accent1"/>
-          </a:fillRef>
-          <a:effectRef idx="2">
-            <a:schemeClr val="accent1"/>
-          </a:effectRef>
-          <a:fontRef idx="minor">
-            <a:schemeClr val="lt1"/>
-          </a:fontRef>
-        </p:style>
-        <p:txBody>
-          <a:bodyPr rtlCol="0" anchor="ctr"/>
-          <a:lstStyle/>
-          <a:p>
-            <a:pPr algn="ctr"/>
-          </a:p>
-        </p:txBody>
-      </p:sp>
-      <p:sp>
-        <p:nvSpPr>
-          <p:cNvPr id="15" name="TextBox 14"/>
-          <p:cNvSpPr txBox="1"/>
-          <p:nvPr/>
-        </p:nvSpPr>
-        <p:spPr>
-          <a:xfrm>
-            <a:off x="777240" y="5074920"/>
-            <a:ext cx="5029200" cy="274320"/>
-          </a:xfrm>
-          <a:prstGeom prst="rect">
-            <a:avLst/>
-          </a:prstGeom>
-          <a:noFill/>
-          <a:ln>
-            <a:noFill/>
-          </a:ln>
-          <a:effectLst/>
-        </p:spPr>
-        <p:txBody>
-          <a:bodyPr wrap="square">
-            <a:spAutoFit/>
-          </a:bodyPr>
-          <a:lstStyle/>
-          <a:p>
-            <a:pPr algn="l"/>
-            <a:r>
-              <a:rPr sz="900" b="0">
-                <a:solidFill>
-                  <a:srgbClr val="404040"/>
-                </a:solidFill>
-                <a:latin typeface="Arial"/>
-              </a:rPr>
-              <a:t>Government Relationships: Strong partnership with Saudi government</a:t>
-            </a:r>
-          </a:p>
-        </p:txBody>
-      </p:sp>
-      <p:sp>
-        <p:nvSpPr>
-          <p:cNvPr id="16" name="Oval 15"/>
-          <p:cNvSpPr/>
-          <p:nvPr/>
-        </p:nvSpPr>
-        <p:spPr>
-          <a:xfrm>
-            <a:off x="640080" y="5440679"/>
-            <a:ext cx="54864" cy="54864"/>
-          </a:xfrm>
-          <a:prstGeom prst="ellipse">
-            <a:avLst/>
-          </a:prstGeom>
-          <a:solidFill>
-            <a:srgbClr val="B5975B"/>
-          </a:solidFill>
-          <a:ln>
-            <a:noFill/>
-          </a:ln>
-        </p:spPr>
-        <p:style>
-          <a:lnRef idx="1">
-            <a:schemeClr val="accent1"/>
-          </a:lnRef>
-          <a:fillRef idx="3">
-            <a:schemeClr val="accent1"/>
-          </a:fillRef>
-          <a:effectRef idx="2">
-            <a:schemeClr val="accent1"/>
-          </a:effectRef>
-          <a:fontRef idx="minor">
-            <a:schemeClr val="lt1"/>
-          </a:fontRef>
-        </p:style>
-        <p:txBody>
-          <a:bodyPr rtlCol="0" anchor="ctr"/>
-          <a:lstStyle/>
-          <a:p>
-            <a:pPr algn="ctr"/>
-          </a:p>
-        </p:txBody>
-      </p:sp>
-      <p:sp>
-        <p:nvSpPr>
-          <p:cNvPr id="17" name="TextBox 16"/>
-          <p:cNvSpPr txBox="1"/>
-          <p:nvPr/>
-        </p:nvSpPr>
-        <p:spPr>
-          <a:xfrm>
-            <a:off x="777240" y="5394959"/>
-            <a:ext cx="5029200" cy="274320"/>
-          </a:xfrm>
-          <a:prstGeom prst="rect">
-            <a:avLst/>
-          </a:prstGeom>
-          <a:noFill/>
-          <a:ln>
-            <a:noFill/>
-          </a:ln>
-          <a:effectLst/>
-        </p:spPr>
-        <p:txBody>
-          <a:bodyPr wrap="square">
-            <a:spAutoFit/>
-          </a:bodyPr>
-          <a:lstStyle/>
-          <a:p>
-            <a:pPr algn="l"/>
-            <a:r>
-              <a:rPr sz="900" b="0">
-                <a:solidFill>
-                  <a:srgbClr val="404040"/>
-                </a:solidFill>
-                <a:latin typeface="Arial"/>
-              </a:rPr>
-              <a:t>Market Position: Established relationships with global refiners</a:t>
-            </a:r>
-          </a:p>
-        </p:txBody>
-      </p:sp>
-      <p:sp>
-        <p:nvSpPr>
-          <p:cNvPr id="18" name="TextBox 17"/>
+              <a:t>Connector Ecosystem Comprehensive connectors</a:t>
+            </a:r>
+          </a:p>
+        </p:txBody>
+      </p:sp>
+      <p:sp>
+        <p:nvSpPr>
+          <p:cNvPr id="14" name="TextBox 13"/>
           <p:cNvSpPr txBox="1"/>
           <p:nvPr/>
         </p:nvSpPr>
@@ -4586,7 +4231,7 @@
       </p:sp>
       <p:sp>
         <p:nvSpPr>
-          <p:cNvPr id="19" name="Oval 18"/>
+          <p:cNvPr id="15" name="Oval 14"/>
           <p:cNvSpPr/>
           <p:nvPr/>
         </p:nvSpPr>
@@ -4629,7 +4274,7 @@
       </p:sp>
       <p:sp>
         <p:nvSpPr>
-          <p:cNvPr id="20" name="TextBox 19"/>
+          <p:cNvPr id="16" name="TextBox 15"/>
           <p:cNvSpPr txBox="1"/>
           <p:nvPr/>
         </p:nvSpPr>
@@ -4661,14 +4306,14 @@
                 </a:solidFill>
                 <a:latin typeface="Arial"/>
               </a:rPr>
-              <a:t>World's Largest Oil Reserves: 267 billion barrels proven reserves</a:t>
-            </a:r>
-          </a:p>
-        </p:txBody>
-      </p:sp>
-      <p:sp>
-        <p:nvSpPr>
-          <p:cNvPr id="21" name="Oval 20"/>
+              <a:t>Data-centric Design Excels at retrieval</a:t>
+            </a:r>
+          </a:p>
+        </p:txBody>
+      </p:sp>
+      <p:sp>
+        <p:nvSpPr>
+          <p:cNvPr id="17" name="Oval 16"/>
           <p:cNvSpPr/>
           <p:nvPr/>
         </p:nvSpPr>
@@ -4711,7 +4356,7 @@
       </p:sp>
       <p:sp>
         <p:nvSpPr>
-          <p:cNvPr id="22" name="TextBox 21"/>
+          <p:cNvPr id="18" name="TextBox 17"/>
           <p:cNvSpPr txBox="1"/>
           <p:nvPr/>
         </p:nvSpPr>
@@ -4743,178 +4388,14 @@
                 </a:solidFill>
                 <a:latin typeface="Arial"/>
               </a:rPr>
-              <a:t>Lowest Cost Producer: Production cost ~$3 per barrel vs industry avg $15</a:t>
-            </a:r>
-          </a:p>
-        </p:txBody>
-      </p:sp>
-      <p:sp>
-        <p:nvSpPr>
-          <p:cNvPr id="23" name="Oval 22"/>
-          <p:cNvSpPr/>
-          <p:nvPr/>
-        </p:nvSpPr>
-        <p:spPr>
-          <a:xfrm>
-            <a:off x="7040880" y="4480560"/>
-            <a:ext cx="54864" cy="54864"/>
-          </a:xfrm>
-          <a:prstGeom prst="ellipse">
-            <a:avLst/>
-          </a:prstGeom>
-          <a:solidFill>
-            <a:srgbClr val="B5975B"/>
-          </a:solidFill>
-          <a:ln>
-            <a:noFill/>
-          </a:ln>
-        </p:spPr>
-        <p:style>
-          <a:lnRef idx="1">
-            <a:schemeClr val="accent1"/>
-          </a:lnRef>
-          <a:fillRef idx="3">
-            <a:schemeClr val="accent1"/>
-          </a:fillRef>
-          <a:effectRef idx="2">
-            <a:schemeClr val="accent1"/>
-          </a:effectRef>
-          <a:fontRef idx="minor">
-            <a:schemeClr val="lt1"/>
-          </a:fontRef>
-        </p:style>
-        <p:txBody>
-          <a:bodyPr rtlCol="0" anchor="ctr"/>
-          <a:lstStyle/>
-          <a:p>
-            <a:pPr algn="ctr"/>
-          </a:p>
-        </p:txBody>
-      </p:sp>
-      <p:sp>
-        <p:nvSpPr>
-          <p:cNvPr id="24" name="TextBox 23"/>
-          <p:cNvSpPr txBox="1"/>
-          <p:nvPr/>
-        </p:nvSpPr>
-        <p:spPr>
-          <a:xfrm>
-            <a:off x="7178040" y="4434840"/>
-            <a:ext cx="4572000" cy="274320"/>
-          </a:xfrm>
-          <a:prstGeom prst="rect">
-            <a:avLst/>
-          </a:prstGeom>
-          <a:noFill/>
-          <a:ln>
-            <a:noFill/>
-          </a:ln>
-          <a:effectLst/>
-        </p:spPr>
-        <p:txBody>
-          <a:bodyPr wrap="square">
-            <a:spAutoFit/>
-          </a:bodyPr>
-          <a:lstStyle/>
-          <a:p>
-            <a:pPr algn="l"/>
-            <a:r>
-              <a:rPr sz="900" b="0">
-                <a:solidFill>
-                  <a:srgbClr val="404040"/>
-                </a:solidFill>
-                <a:latin typeface="Arial"/>
-              </a:rPr>
-              <a:t>Integrated Value Chain: Full upstream to downstream operations</a:t>
-            </a:r>
-          </a:p>
-        </p:txBody>
-      </p:sp>
-      <p:sp>
-        <p:nvSpPr>
-          <p:cNvPr id="25" name="Oval 24"/>
-          <p:cNvSpPr/>
-          <p:nvPr/>
-        </p:nvSpPr>
-        <p:spPr>
-          <a:xfrm>
-            <a:off x="7040880" y="4800599"/>
-            <a:ext cx="54864" cy="54864"/>
-          </a:xfrm>
-          <a:prstGeom prst="ellipse">
-            <a:avLst/>
-          </a:prstGeom>
-          <a:solidFill>
-            <a:srgbClr val="B5975B"/>
-          </a:solidFill>
-          <a:ln>
-            <a:noFill/>
-          </a:ln>
-        </p:spPr>
-        <p:style>
-          <a:lnRef idx="1">
-            <a:schemeClr val="accent1"/>
-          </a:lnRef>
-          <a:fillRef idx="3">
-            <a:schemeClr val="accent1"/>
-          </a:fillRef>
-          <a:effectRef idx="2">
-            <a:schemeClr val="accent1"/>
-          </a:effectRef>
-          <a:fontRef idx="minor">
-            <a:schemeClr val="lt1"/>
-          </a:fontRef>
-        </p:style>
-        <p:txBody>
-          <a:bodyPr rtlCol="0" anchor="ctr"/>
-          <a:lstStyle/>
-          <a:p>
-            <a:pPr algn="ctr"/>
-          </a:p>
-        </p:txBody>
-      </p:sp>
-      <p:sp>
-        <p:nvSpPr>
-          <p:cNvPr id="26" name="TextBox 25"/>
-          <p:cNvSpPr txBox="1"/>
-          <p:nvPr/>
-        </p:nvSpPr>
-        <p:spPr>
-          <a:xfrm>
-            <a:off x="7178040" y="4754879"/>
-            <a:ext cx="4572000" cy="274320"/>
-          </a:xfrm>
-          <a:prstGeom prst="rect">
-            <a:avLst/>
-          </a:prstGeom>
-          <a:noFill/>
-          <a:ln>
-            <a:noFill/>
-          </a:ln>
-          <a:effectLst/>
-        </p:spPr>
-        <p:txBody>
-          <a:bodyPr wrap="square">
-            <a:spAutoFit/>
-          </a:bodyPr>
-          <a:lstStyle/>
-          <a:p>
-            <a:pPr algn="l"/>
-            <a:r>
-              <a:rPr sz="900" b="0">
-                <a:solidFill>
-                  <a:srgbClr val="404040"/>
-                </a:solidFill>
-                <a:latin typeface="Arial"/>
-              </a:rPr>
-              <a:t>Strategic Geographic Position: Direct access to Asian and European markets</a:t>
-            </a:r>
-          </a:p>
-        </p:txBody>
-      </p:sp>
-      <p:sp>
-        <p:nvSpPr>
-          <p:cNvPr id="27" name="TextBox 26"/>
+              <a:t>Grounded Retrieval Reduces hallucination</a:t>
+            </a:r>
+          </a:p>
+        </p:txBody>
+      </p:sp>
+      <p:sp>
+        <p:nvSpPr>
+          <p:cNvPr id="19" name="TextBox 18"/>
           <p:cNvSpPr txBox="1"/>
           <p:nvPr/>
         </p:nvSpPr>
@@ -4953,7 +4434,7 @@
       </p:sp>
       <p:sp>
         <p:nvSpPr>
-          <p:cNvPr id="28" name="TextBox 27"/>
+          <p:cNvPr id="20" name="TextBox 19"/>
           <p:cNvSpPr txBox="1"/>
           <p:nvPr/>
         </p:nvSpPr>
@@ -4982,14 +4463,14 @@
               </a:defRPr>
             </a:pPr>
             <a:r>
-              <a:t>Confidential | September 07, 2025</a:t>
-            </a:r>
-          </a:p>
-        </p:txBody>
-      </p:sp>
-      <p:sp>
-        <p:nvSpPr>
-          <p:cNvPr id="29" name="TextBox 28"/>
+              <a:t>Confidential | September 08, 2025</a:t>
+            </a:r>
+          </a:p>
+        </p:txBody>
+      </p:sp>
+      <p:sp>
+        <p:nvSpPr>
+          <p:cNvPr id="21" name="TextBox 20"/>
           <p:cNvSpPr txBox="1"/>
           <p:nvPr/>
         </p:nvSpPr>
@@ -5018,7 +4499,7 @@
               </a:defRPr>
             </a:pPr>
             <a:r>
-              <a:t>Saudi Aramco</a:t>
+              <a:t>Moelis</a:t>
             </a:r>
           </a:p>
         </p:txBody>
